--- a/Later/Java_Networking/1/What is networking.pptx
+++ b/Later/Java_Networking/1/What is networking.pptx
@@ -193,7 +193,7 @@
           <a:p>
             <a:fld id="{62274EC6-3890-417B-9308-14EFBD00FA63}" type="datetimeFigureOut">
               <a:rPr lang="en-US" smtClean="0"/>
-              <a:t>7/18/2018</a:t>
+              <a:t>7/24/2018</a:t>
             </a:fld>
             <a:endParaRPr lang="en-US" dirty="0"/>
           </a:p>
@@ -821,7 +821,7 @@
             <a:fld id="{1D8BD707-D9CF-40AE-B4C6-C98DA3205C09}" type="datetimeFigureOut">
               <a:rPr lang="en-US" smtClean="0"/>
               <a:pPr/>
-              <a:t>7/18/2018</a:t>
+              <a:t>7/24/2018</a:t>
             </a:fld>
             <a:endParaRPr lang="en-US" dirty="0"/>
           </a:p>
@@ -993,7 +993,7 @@
             <a:fld id="{1D8BD707-D9CF-40AE-B4C6-C98DA3205C09}" type="datetimeFigureOut">
               <a:rPr lang="en-US" smtClean="0"/>
               <a:pPr/>
-              <a:t>7/18/2018</a:t>
+              <a:t>7/24/2018</a:t>
             </a:fld>
             <a:endParaRPr lang="en-US" dirty="0"/>
           </a:p>
@@ -1175,7 +1175,7 @@
             <a:fld id="{1D8BD707-D9CF-40AE-B4C6-C98DA3205C09}" type="datetimeFigureOut">
               <a:rPr lang="en-US" smtClean="0"/>
               <a:pPr/>
-              <a:t>7/18/2018</a:t>
+              <a:t>7/24/2018</a:t>
             </a:fld>
             <a:endParaRPr lang="en-US" dirty="0"/>
           </a:p>
@@ -1347,7 +1347,7 @@
             <a:fld id="{1D8BD707-D9CF-40AE-B4C6-C98DA3205C09}" type="datetimeFigureOut">
               <a:rPr lang="en-US" smtClean="0"/>
               <a:pPr/>
-              <a:t>7/18/2018</a:t>
+              <a:t>7/24/2018</a:t>
             </a:fld>
             <a:endParaRPr lang="en-US" dirty="0"/>
           </a:p>
@@ -1595,7 +1595,7 @@
             <a:fld id="{1D8BD707-D9CF-40AE-B4C6-C98DA3205C09}" type="datetimeFigureOut">
               <a:rPr lang="en-US" smtClean="0"/>
               <a:pPr/>
-              <a:t>7/18/2018</a:t>
+              <a:t>7/24/2018</a:t>
             </a:fld>
             <a:endParaRPr lang="en-US" dirty="0"/>
           </a:p>
@@ -1885,7 +1885,7 @@
             <a:fld id="{1D8BD707-D9CF-40AE-B4C6-C98DA3205C09}" type="datetimeFigureOut">
               <a:rPr lang="en-US" smtClean="0"/>
               <a:pPr/>
-              <a:t>7/18/2018</a:t>
+              <a:t>7/24/2018</a:t>
             </a:fld>
             <a:endParaRPr lang="en-US" dirty="0"/>
           </a:p>
@@ -2314,7 +2314,7 @@
             <a:fld id="{1D8BD707-D9CF-40AE-B4C6-C98DA3205C09}" type="datetimeFigureOut">
               <a:rPr lang="en-US" smtClean="0"/>
               <a:pPr/>
-              <a:t>7/18/2018</a:t>
+              <a:t>7/24/2018</a:t>
             </a:fld>
             <a:endParaRPr lang="en-US" dirty="0"/>
           </a:p>
@@ -2434,7 +2434,7 @@
             <a:fld id="{1D8BD707-D9CF-40AE-B4C6-C98DA3205C09}" type="datetimeFigureOut">
               <a:rPr lang="en-US" smtClean="0"/>
               <a:pPr/>
-              <a:t>7/18/2018</a:t>
+              <a:t>7/24/2018</a:t>
             </a:fld>
             <a:endParaRPr lang="en-US" dirty="0"/>
           </a:p>
@@ -2531,7 +2531,7 @@
             <a:fld id="{1D8BD707-D9CF-40AE-B4C6-C98DA3205C09}" type="datetimeFigureOut">
               <a:rPr lang="en-US" smtClean="0"/>
               <a:pPr/>
-              <a:t>7/18/2018</a:t>
+              <a:t>7/24/2018</a:t>
             </a:fld>
             <a:endParaRPr lang="en-US" dirty="0"/>
           </a:p>
@@ -2810,7 +2810,7 @@
             <a:fld id="{1D8BD707-D9CF-40AE-B4C6-C98DA3205C09}" type="datetimeFigureOut">
               <a:rPr lang="en-US" smtClean="0"/>
               <a:pPr/>
-              <a:t>7/18/2018</a:t>
+              <a:t>7/24/2018</a:t>
             </a:fld>
             <a:endParaRPr lang="en-US" dirty="0"/>
           </a:p>
@@ -3065,7 +3065,7 @@
             <a:fld id="{1D8BD707-D9CF-40AE-B4C6-C98DA3205C09}" type="datetimeFigureOut">
               <a:rPr lang="en-US" smtClean="0"/>
               <a:pPr/>
-              <a:t>7/18/2018</a:t>
+              <a:t>7/24/2018</a:t>
             </a:fld>
             <a:endParaRPr lang="en-US" dirty="0"/>
           </a:p>
@@ -3280,7 +3280,7 @@
             <a:fld id="{1D8BD707-D9CF-40AE-B4C6-C98DA3205C09}" type="datetimeFigureOut">
               <a:rPr lang="en-US" smtClean="0"/>
               <a:pPr/>
-              <a:t>7/18/2018</a:t>
+              <a:t>7/24/2018</a:t>
             </a:fld>
             <a:endParaRPr lang="en-US" dirty="0"/>
           </a:p>
@@ -3709,7 +3709,7 @@
         <p:spPr>
           <a:xfrm>
             <a:off x="3763962" y="27801"/>
-            <a:ext cx="1570037" cy="276999"/>
+            <a:ext cx="2103438" cy="276999"/>
           </a:xfrm>
           <a:prstGeom prst="rect">
             <a:avLst/>
@@ -3742,7 +3742,11 @@
             </a:r>
             <a:r>
               <a:rPr lang="en-US" sz="1200" dirty="0"/>
-              <a:t>is networking</a:t>
+              <a:t>is </a:t>
+            </a:r>
+            <a:r>
+              <a:rPr lang="en-US" sz="1200" dirty="0" smtClean="0"/>
+              <a:t>Computer networking</a:t>
             </a:r>
             <a:endParaRPr lang="en-US" sz="1200" dirty="0"/>
           </a:p>
@@ -4038,49 +4042,6 @@
       </p:sp>
       <p:sp>
         <p:nvSpPr>
-          <p:cNvPr id="17" name="Rectangle 16"/>
-          <p:cNvSpPr/>
-          <p:nvPr/>
-        </p:nvSpPr>
-        <p:spPr>
-          <a:xfrm>
-            <a:off x="3763963" y="27801"/>
-            <a:ext cx="1360488" cy="276999"/>
-          </a:xfrm>
-          <a:prstGeom prst="rect">
-            <a:avLst/>
-          </a:prstGeom>
-        </p:spPr>
-        <p:style>
-          <a:lnRef idx="1">
-            <a:schemeClr val="accent4"/>
-          </a:lnRef>
-          <a:fillRef idx="3">
-            <a:schemeClr val="accent4"/>
-          </a:fillRef>
-          <a:effectRef idx="2">
-            <a:schemeClr val="accent4"/>
-          </a:effectRef>
-          <a:fontRef idx="minor">
-            <a:schemeClr val="lt1"/>
-          </a:fontRef>
-        </p:style>
-        <p:txBody>
-          <a:bodyPr wrap="square">
-            <a:spAutoFit/>
-          </a:bodyPr>
-          <a:lstStyle/>
-          <a:p>
-            <a:pPr algn="ctr"/>
-            <a:r>
-              <a:rPr lang="en-US" sz="1200" dirty="0"/>
-              <a:t>Java Networking</a:t>
-            </a:r>
-          </a:p>
-        </p:txBody>
-      </p:sp>
-      <p:sp>
-        <p:nvSpPr>
           <p:cNvPr id="2" name="AutoShape 2" descr="Image result for file"/>
           <p:cNvSpPr>
             <a:spLocks noChangeAspect="1" noChangeArrowheads="1"/>
@@ -4285,6 +4246,58 @@
               <a:rPr lang="en-US" sz="1100" dirty="0"/>
               <a:t>Advantage of Java Networking</a:t>
             </a:r>
+          </a:p>
+        </p:txBody>
+      </p:sp>
+      <p:sp>
+        <p:nvSpPr>
+          <p:cNvPr id="9" name="Rectangle 8"/>
+          <p:cNvSpPr/>
+          <p:nvPr/>
+        </p:nvSpPr>
+        <p:spPr>
+          <a:xfrm>
+            <a:off x="3763962" y="27801"/>
+            <a:ext cx="2103438" cy="276999"/>
+          </a:xfrm>
+          <a:prstGeom prst="rect">
+            <a:avLst/>
+          </a:prstGeom>
+        </p:spPr>
+        <p:style>
+          <a:lnRef idx="1">
+            <a:schemeClr val="accent4"/>
+          </a:lnRef>
+          <a:fillRef idx="3">
+            <a:schemeClr val="accent4"/>
+          </a:fillRef>
+          <a:effectRef idx="2">
+            <a:schemeClr val="accent4"/>
+          </a:effectRef>
+          <a:fontRef idx="minor">
+            <a:schemeClr val="lt1"/>
+          </a:fontRef>
+        </p:style>
+        <p:txBody>
+          <a:bodyPr wrap="square">
+            <a:spAutoFit/>
+          </a:bodyPr>
+          <a:lstStyle/>
+          <a:p>
+            <a:pPr algn="ctr"/>
+            <a:r>
+              <a:rPr lang="en-US" sz="1200" dirty="0" smtClean="0"/>
+              <a:t>What </a:t>
+            </a:r>
+            <a:r>
+              <a:rPr lang="en-US" sz="1200" dirty="0"/>
+              <a:t>is </a:t>
+            </a:r>
+            <a:r>
+              <a:rPr lang="en-US" sz="1200" dirty="0" smtClean="0"/>
+              <a:t>Computer networking</a:t>
+            </a:r>
+            <a:endParaRPr lang="en-US" sz="1200" dirty="0"/>
           </a:p>
         </p:txBody>
       </p:sp>
